--- a/Results Presentation.pptx
+++ b/Results Presentation.pptx
@@ -6,15 +6,17 @@
   </p:sldMasterIdLst>
   <p:sldIdLst>
     <p:sldId id="256" r:id="rId2"/>
-    <p:sldId id="268" r:id="rId3"/>
-    <p:sldId id="257" r:id="rId4"/>
-    <p:sldId id="263" r:id="rId5"/>
-    <p:sldId id="270" r:id="rId6"/>
-    <p:sldId id="264" r:id="rId7"/>
-    <p:sldId id="272" r:id="rId8"/>
-    <p:sldId id="271" r:id="rId9"/>
+    <p:sldId id="275" r:id="rId3"/>
+    <p:sldId id="268" r:id="rId4"/>
+    <p:sldId id="257" r:id="rId5"/>
+    <p:sldId id="263" r:id="rId6"/>
+    <p:sldId id="270" r:id="rId7"/>
+    <p:sldId id="264" r:id="rId8"/>
+    <p:sldId id="274" r:id="rId9"/>
     <p:sldId id="265" r:id="rId10"/>
-    <p:sldId id="266" r:id="rId11"/>
+    <p:sldId id="272" r:id="rId11"/>
+    <p:sldId id="271" r:id="rId12"/>
+    <p:sldId id="266" r:id="rId13"/>
   </p:sldIdLst>
   <p:sldSz cx="12192000" cy="6858000"/>
   <p:notesSz cx="6858000" cy="9144000"/>
@@ -3441,6 +3443,361 @@
           <p:cNvPr id="2" name="Title 1">
             <a:extLst>
               <a:ext uri="{FF2B5EF4-FFF2-40B4-BE49-F238E27FC236}">
+                <a16:creationId xmlns:a16="http://schemas.microsoft.com/office/drawing/2014/main" id="{067081F2-39AD-426D-ACCB-0A8FF7AAB0A6}"/>
+              </a:ext>
+            </a:extLst>
+          </p:cNvPr>
+          <p:cNvSpPr>
+            <a:spLocks noGrp="1"/>
+          </p:cNvSpPr>
+          <p:nvPr>
+            <p:ph type="title"/>
+          </p:nvPr>
+        </p:nvSpPr>
+        <p:spPr>
+          <a:xfrm>
+            <a:off x="838200" y="365125"/>
+            <a:ext cx="10515600" cy="1325563"/>
+          </a:xfrm>
+        </p:spPr>
+        <p:txBody>
+          <a:bodyPr/>
+          <a:lstStyle/>
+          <a:p>
+            <a:r>
+              <a:rPr lang="en-US"/>
+              <a:t>What We Did</a:t>
+            </a:r>
+            <a:endParaRPr lang="en-US" dirty="0"/>
+          </a:p>
+        </p:txBody>
+      </p:sp>
+      <p:pic>
+        <p:nvPicPr>
+          <p:cNvPr id="4" name="Picture 2">
+            <a:extLst>
+              <a:ext uri="{FF2B5EF4-FFF2-40B4-BE49-F238E27FC236}">
+                <a16:creationId xmlns:a16="http://schemas.microsoft.com/office/drawing/2014/main" id="{84551C58-3B1B-49B0-9247-77E0FA47C72E}"/>
+              </a:ext>
+            </a:extLst>
+          </p:cNvPr>
+          <p:cNvPicPr>
+            <a:picLocks noGrp="1" noChangeAspect="1" noChangeArrowheads="1"/>
+          </p:cNvPicPr>
+          <p:nvPr>
+            <p:ph idx="1"/>
+          </p:nvPr>
+        </p:nvPicPr>
+        <p:blipFill>
+          <a:blip r:embed="rId2">
+            <a:extLst>
+              <a:ext uri="{28A0092B-C50C-407E-A947-70E740481C1C}">
+                <a14:useLocalDpi xmlns:a14="http://schemas.microsoft.com/office/drawing/2010/main" val="0"/>
+              </a:ext>
+            </a:extLst>
+          </a:blip>
+          <a:srcRect/>
+          <a:stretch>
+            <a:fillRect/>
+          </a:stretch>
+        </p:blipFill>
+        <p:spPr bwMode="auto">
+          <a:xfrm>
+            <a:off x="4464423" y="365125"/>
+            <a:ext cx="3980330" cy="6123588"/>
+          </a:xfrm>
+          <a:prstGeom prst="rect">
+            <a:avLst/>
+          </a:prstGeom>
+          <a:noFill/>
+          <a:ln>
+            <a:noFill/>
+          </a:ln>
+          <a:extLst>
+            <a:ext uri="{909E8E84-426E-40DD-AFC4-6F175D3DCCD1}">
+              <a14:hiddenFill xmlns:a14="http://schemas.microsoft.com/office/drawing/2010/main">
+                <a:solidFill>
+                  <a:srgbClr val="FFFFFF"/>
+                </a:solidFill>
+              </a14:hiddenFill>
+            </a:ext>
+            <a:ext uri="{91240B29-F687-4F45-9708-019B960494DF}">
+              <a14:hiddenLine xmlns:a14="http://schemas.microsoft.com/office/drawing/2010/main" w="9525">
+                <a:solidFill>
+                  <a:srgbClr val="000000"/>
+                </a:solidFill>
+                <a:miter lim="800000"/>
+                <a:headEnd/>
+                <a:tailEnd/>
+              </a14:hiddenLine>
+            </a:ext>
+          </a:extLst>
+        </p:spPr>
+      </p:pic>
+      <p:sp>
+        <p:nvSpPr>
+          <p:cNvPr id="5" name="Rectangle 4">
+            <a:extLst>
+              <a:ext uri="{FF2B5EF4-FFF2-40B4-BE49-F238E27FC236}">
+                <a16:creationId xmlns:a16="http://schemas.microsoft.com/office/drawing/2014/main" id="{5666E118-85D0-420D-A20B-9808C655C65A}"/>
+              </a:ext>
+            </a:extLst>
+          </p:cNvPr>
+          <p:cNvSpPr/>
+          <p:nvPr/>
+        </p:nvSpPr>
+        <p:spPr>
+          <a:xfrm>
+            <a:off x="4347411" y="225801"/>
+            <a:ext cx="2181726" cy="1939883"/>
+          </a:xfrm>
+          <a:prstGeom prst="rect">
+            <a:avLst/>
+          </a:prstGeom>
+          <a:noFill/>
+          <a:ln w="38100">
+            <a:solidFill>
+              <a:schemeClr val="accent6">
+                <a:lumMod val="75000"/>
+              </a:schemeClr>
+            </a:solidFill>
+          </a:ln>
+        </p:spPr>
+        <p:style>
+          <a:lnRef idx="2">
+            <a:schemeClr val="accent1">
+              <a:shade val="50000"/>
+            </a:schemeClr>
+          </a:lnRef>
+          <a:fillRef idx="1">
+            <a:schemeClr val="accent1"/>
+          </a:fillRef>
+          <a:effectRef idx="0">
+            <a:schemeClr val="accent1"/>
+          </a:effectRef>
+          <a:fontRef idx="minor">
+            <a:schemeClr val="lt1"/>
+          </a:fontRef>
+        </p:style>
+        <p:txBody>
+          <a:bodyPr rtlCol="0" anchor="ctr"/>
+          <a:lstStyle/>
+          <a:p>
+            <a:pPr algn="ctr"/>
+            <a:endParaRPr lang="en-US"/>
+          </a:p>
+        </p:txBody>
+      </p:sp>
+      <p:sp>
+        <p:nvSpPr>
+          <p:cNvPr id="10" name="Rectangle 9">
+            <a:extLst>
+              <a:ext uri="{FF2B5EF4-FFF2-40B4-BE49-F238E27FC236}">
+                <a16:creationId xmlns:a16="http://schemas.microsoft.com/office/drawing/2014/main" id="{E39ECC23-7570-4480-9990-0D21EC766AF6}"/>
+              </a:ext>
+            </a:extLst>
+          </p:cNvPr>
+          <p:cNvSpPr/>
+          <p:nvPr/>
+        </p:nvSpPr>
+        <p:spPr>
+          <a:xfrm>
+            <a:off x="6548483" y="225801"/>
+            <a:ext cx="2181726" cy="2741987"/>
+          </a:xfrm>
+          <a:prstGeom prst="rect">
+            <a:avLst/>
+          </a:prstGeom>
+          <a:noFill/>
+          <a:ln w="38100">
+            <a:solidFill>
+              <a:schemeClr val="accent6">
+                <a:lumMod val="75000"/>
+              </a:schemeClr>
+            </a:solidFill>
+          </a:ln>
+        </p:spPr>
+        <p:style>
+          <a:lnRef idx="2">
+            <a:schemeClr val="accent1">
+              <a:shade val="50000"/>
+            </a:schemeClr>
+          </a:lnRef>
+          <a:fillRef idx="1">
+            <a:schemeClr val="accent1"/>
+          </a:fillRef>
+          <a:effectRef idx="0">
+            <a:schemeClr val="accent1"/>
+          </a:effectRef>
+          <a:fontRef idx="minor">
+            <a:schemeClr val="lt1"/>
+          </a:fontRef>
+        </p:style>
+        <p:txBody>
+          <a:bodyPr rtlCol="0" anchor="ctr"/>
+          <a:lstStyle/>
+          <a:p>
+            <a:pPr algn="ctr"/>
+            <a:endParaRPr lang="en-US"/>
+          </a:p>
+        </p:txBody>
+      </p:sp>
+    </p:spTree>
+    <p:extLst>
+      <p:ext uri="{BB962C8B-B14F-4D97-AF65-F5344CB8AC3E}">
+        <p14:creationId xmlns:p14="http://schemas.microsoft.com/office/powerpoint/2010/main" val="441749111"/>
+      </p:ext>
+    </p:extLst>
+  </p:cSld>
+  <p:clrMapOvr>
+    <a:masterClrMapping/>
+  </p:clrMapOvr>
+</p:sld>
+</file>
+
+<file path=ppt/slides/slide11.xml><?xml version="1.0" encoding="utf-8"?>
+<p:sld xmlns:a="http://schemas.openxmlformats.org/drawingml/2006/main" xmlns:r="http://schemas.openxmlformats.org/officeDocument/2006/relationships" xmlns:p="http://schemas.openxmlformats.org/presentationml/2006/main">
+  <p:cSld>
+    <p:spTree>
+      <p:nvGrpSpPr>
+        <p:cNvPr id="1" name=""/>
+        <p:cNvGrpSpPr/>
+        <p:nvPr/>
+      </p:nvGrpSpPr>
+      <p:grpSpPr>
+        <a:xfrm>
+          <a:off x="0" y="0"/>
+          <a:ext cx="0" cy="0"/>
+          <a:chOff x="0" y="0"/>
+          <a:chExt cx="0" cy="0"/>
+        </a:xfrm>
+      </p:grpSpPr>
+      <p:sp>
+        <p:nvSpPr>
+          <p:cNvPr id="2" name="Title 1">
+            <a:extLst>
+              <a:ext uri="{FF2B5EF4-FFF2-40B4-BE49-F238E27FC236}">
+                <a16:creationId xmlns:a16="http://schemas.microsoft.com/office/drawing/2014/main" id="{082DB6E0-67FC-4B5B-854F-60DBEFA56D33}"/>
+              </a:ext>
+            </a:extLst>
+          </p:cNvPr>
+          <p:cNvSpPr>
+            <a:spLocks noGrp="1"/>
+          </p:cNvSpPr>
+          <p:nvPr>
+            <p:ph type="title"/>
+          </p:nvPr>
+        </p:nvSpPr>
+        <p:spPr/>
+        <p:txBody>
+          <a:bodyPr/>
+          <a:lstStyle/>
+          <a:p>
+            <a:r>
+              <a:rPr lang="en-US" dirty="0"/>
+              <a:t>Results</a:t>
+            </a:r>
+          </a:p>
+        </p:txBody>
+      </p:sp>
+      <p:sp>
+        <p:nvSpPr>
+          <p:cNvPr id="3" name="Content Placeholder 2">
+            <a:extLst>
+              <a:ext uri="{FF2B5EF4-FFF2-40B4-BE49-F238E27FC236}">
+                <a16:creationId xmlns:a16="http://schemas.microsoft.com/office/drawing/2014/main" id="{ACD073C4-4776-4484-A792-1ABBF8D67337}"/>
+              </a:ext>
+            </a:extLst>
+          </p:cNvPr>
+          <p:cNvSpPr>
+            <a:spLocks noGrp="1"/>
+          </p:cNvSpPr>
+          <p:nvPr>
+            <p:ph idx="1"/>
+          </p:nvPr>
+        </p:nvSpPr>
+        <p:spPr/>
+        <p:txBody>
+          <a:bodyPr/>
+          <a:lstStyle/>
+          <a:p>
+            <a:r>
+              <a:rPr lang="en-US" dirty="0"/>
+              <a:t>Draft of workflow in Google </a:t>
+            </a:r>
+            <a:r>
+              <a:rPr lang="en-US" dirty="0" err="1"/>
+              <a:t>Colab</a:t>
+            </a:r>
+            <a:endParaRPr lang="en-US" dirty="0"/>
+          </a:p>
+          <a:p>
+            <a:r>
+              <a:rPr lang="en-US" dirty="0"/>
+              <a:t>Read counts from RNA-sequencing pipeline</a:t>
+            </a:r>
+          </a:p>
+          <a:p>
+            <a:r>
+              <a:rPr lang="en-US" dirty="0"/>
+              <a:t>Patient 1 (of 3), 1 tissue sample (of 4)</a:t>
+            </a:r>
+          </a:p>
+          <a:p>
+            <a:r>
+              <a:rPr lang="en-US" dirty="0"/>
+              <a:t>Ours:   17138624</a:t>
+            </a:r>
+          </a:p>
+          <a:p>
+            <a:r>
+              <a:rPr lang="en-US" dirty="0"/>
+              <a:t>Papers’: 17932196</a:t>
+            </a:r>
+          </a:p>
+          <a:p>
+            <a:r>
+              <a:rPr lang="en-US" b="1" dirty="0"/>
+              <a:t>~95% of their total reads</a:t>
+            </a:r>
+          </a:p>
+        </p:txBody>
+      </p:sp>
+    </p:spTree>
+    <p:extLst>
+      <p:ext uri="{BB962C8B-B14F-4D97-AF65-F5344CB8AC3E}">
+        <p14:creationId xmlns:p14="http://schemas.microsoft.com/office/powerpoint/2010/main" val="3974593770"/>
+      </p:ext>
+    </p:extLst>
+  </p:cSld>
+  <p:clrMapOvr>
+    <a:masterClrMapping/>
+  </p:clrMapOvr>
+</p:sld>
+</file>
+
+<file path=ppt/slides/slide12.xml><?xml version="1.0" encoding="utf-8"?>
+<p:sld xmlns:a="http://schemas.openxmlformats.org/drawingml/2006/main" xmlns:r="http://schemas.openxmlformats.org/officeDocument/2006/relationships" xmlns:p="http://schemas.openxmlformats.org/presentationml/2006/main">
+  <p:cSld>
+    <p:spTree>
+      <p:nvGrpSpPr>
+        <p:cNvPr id="1" name=""/>
+        <p:cNvGrpSpPr/>
+        <p:nvPr/>
+      </p:nvGrpSpPr>
+      <p:grpSpPr>
+        <a:xfrm>
+          <a:off x="0" y="0"/>
+          <a:ext cx="0" cy="0"/>
+          <a:chOff x="0" y="0"/>
+          <a:chExt cx="0" cy="0"/>
+        </a:xfrm>
+      </p:grpSpPr>
+      <p:sp>
+        <p:nvSpPr>
+          <p:cNvPr id="2" name="Title 1">
+            <a:extLst>
+              <a:ext uri="{FF2B5EF4-FFF2-40B4-BE49-F238E27FC236}">
                 <a16:creationId xmlns:a16="http://schemas.microsoft.com/office/drawing/2014/main" id="{B69C1589-15A5-48C6-8B42-B1050DE1EE1D}"/>
               </a:ext>
             </a:extLst>
@@ -3542,6 +3899,66 @@
           <a:chExt cx="0" cy="0"/>
         </a:xfrm>
       </p:grpSpPr>
+      <p:pic>
+        <p:nvPicPr>
+          <p:cNvPr id="3" name="Picture 2">
+            <a:extLst>
+              <a:ext uri="{FF2B5EF4-FFF2-40B4-BE49-F238E27FC236}">
+                <a16:creationId xmlns:a16="http://schemas.microsoft.com/office/drawing/2014/main" id="{0A187CBA-C628-4F79-9658-37569B8C20A8}"/>
+              </a:ext>
+            </a:extLst>
+          </p:cNvPr>
+          <p:cNvPicPr>
+            <a:picLocks noChangeAspect="1"/>
+          </p:cNvPicPr>
+          <p:nvPr/>
+        </p:nvPicPr>
+        <p:blipFill>
+          <a:blip r:embed="rId2"/>
+          <a:stretch>
+            <a:fillRect/>
+          </a:stretch>
+        </p:blipFill>
+        <p:spPr>
+          <a:xfrm>
+            <a:off x="0" y="34285"/>
+            <a:ext cx="12192000" cy="4751079"/>
+          </a:xfrm>
+          <a:prstGeom prst="rect">
+            <a:avLst/>
+          </a:prstGeom>
+        </p:spPr>
+      </p:pic>
+    </p:spTree>
+    <p:extLst>
+      <p:ext uri="{BB962C8B-B14F-4D97-AF65-F5344CB8AC3E}">
+        <p14:creationId xmlns:p14="http://schemas.microsoft.com/office/powerpoint/2010/main" val="614962817"/>
+      </p:ext>
+    </p:extLst>
+  </p:cSld>
+  <p:clrMapOvr>
+    <a:masterClrMapping/>
+  </p:clrMapOvr>
+</p:sld>
+</file>
+
+<file path=ppt/slides/slide3.xml><?xml version="1.0" encoding="utf-8"?>
+<p:sld xmlns:a="http://schemas.openxmlformats.org/drawingml/2006/main" xmlns:r="http://schemas.openxmlformats.org/officeDocument/2006/relationships" xmlns:p="http://schemas.openxmlformats.org/presentationml/2006/main">
+  <p:cSld>
+    <p:spTree>
+      <p:nvGrpSpPr>
+        <p:cNvPr id="1" name=""/>
+        <p:cNvGrpSpPr/>
+        <p:nvPr/>
+      </p:nvGrpSpPr>
+      <p:grpSpPr>
+        <a:xfrm>
+          <a:off x="0" y="0"/>
+          <a:ext cx="0" cy="0"/>
+          <a:chOff x="0" y="0"/>
+          <a:chExt cx="0" cy="0"/>
+        </a:xfrm>
+      </p:grpSpPr>
       <p:sp>
         <p:nvSpPr>
           <p:cNvPr id="2" name="Title 1">
@@ -3623,7 +4040,7 @@
 </p:sld>
 </file>
 
-<file path=ppt/slides/slide3.xml><?xml version="1.0" encoding="utf-8"?>
+<file path=ppt/slides/slide4.xml><?xml version="1.0" encoding="utf-8"?>
 <p:sld xmlns:a="http://schemas.openxmlformats.org/drawingml/2006/main" xmlns:r="http://schemas.openxmlformats.org/officeDocument/2006/relationships" xmlns:p="http://schemas.openxmlformats.org/presentationml/2006/main">
   <p:cSld>
     <p:spTree>
@@ -4027,7 +4444,7 @@
 </p:sld>
 </file>
 
-<file path=ppt/slides/slide4.xml><?xml version="1.0" encoding="utf-8"?>
+<file path=ppt/slides/slide5.xml><?xml version="1.0" encoding="utf-8"?>
 <p:sld xmlns:a="http://schemas.openxmlformats.org/drawingml/2006/main" xmlns:r="http://schemas.openxmlformats.org/officeDocument/2006/relationships" xmlns:p="http://schemas.openxmlformats.org/presentationml/2006/main">
   <p:cSld>
     <p:spTree>
@@ -4168,7 +4585,7 @@
 </p:sld>
 </file>
 
-<file path=ppt/slides/slide5.xml><?xml version="1.0" encoding="utf-8"?>
+<file path=ppt/slides/slide6.xml><?xml version="1.0" encoding="utf-8"?>
 <p:sld xmlns:a="http://schemas.openxmlformats.org/drawingml/2006/main" xmlns:r="http://schemas.openxmlformats.org/officeDocument/2006/relationships" xmlns:p="http://schemas.openxmlformats.org/presentationml/2006/main">
   <p:cSld>
     <p:spTree>
@@ -4572,7 +4989,7 @@
 </p:sld>
 </file>
 
-<file path=ppt/slides/slide6.xml><?xml version="1.0" encoding="utf-8"?>
+<file path=ppt/slides/slide7.xml><?xml version="1.0" encoding="utf-8"?>
 <p:sld xmlns:a="http://schemas.openxmlformats.org/drawingml/2006/main" xmlns:r="http://schemas.openxmlformats.org/officeDocument/2006/relationships" xmlns:p="http://schemas.openxmlformats.org/presentationml/2006/main">
   <p:cSld>
     <p:bg>
@@ -5029,240 +5446,6 @@
 </p:sld>
 </file>
 
-<file path=ppt/slides/slide7.xml><?xml version="1.0" encoding="utf-8"?>
-<p:sld xmlns:a="http://schemas.openxmlformats.org/drawingml/2006/main" xmlns:r="http://schemas.openxmlformats.org/officeDocument/2006/relationships" xmlns:p="http://schemas.openxmlformats.org/presentationml/2006/main">
-  <p:cSld>
-    <p:spTree>
-      <p:nvGrpSpPr>
-        <p:cNvPr id="1" name=""/>
-        <p:cNvGrpSpPr/>
-        <p:nvPr/>
-      </p:nvGrpSpPr>
-      <p:grpSpPr>
-        <a:xfrm>
-          <a:off x="0" y="0"/>
-          <a:ext cx="0" cy="0"/>
-          <a:chOff x="0" y="0"/>
-          <a:chExt cx="0" cy="0"/>
-        </a:xfrm>
-      </p:grpSpPr>
-      <p:sp>
-        <p:nvSpPr>
-          <p:cNvPr id="2" name="Title 1">
-            <a:extLst>
-              <a:ext uri="{FF2B5EF4-FFF2-40B4-BE49-F238E27FC236}">
-                <a16:creationId xmlns:a16="http://schemas.microsoft.com/office/drawing/2014/main" id="{067081F2-39AD-426D-ACCB-0A8FF7AAB0A6}"/>
-              </a:ext>
-            </a:extLst>
-          </p:cNvPr>
-          <p:cNvSpPr>
-            <a:spLocks noGrp="1"/>
-          </p:cNvSpPr>
-          <p:nvPr>
-            <p:ph type="title"/>
-          </p:nvPr>
-        </p:nvSpPr>
-        <p:spPr>
-          <a:xfrm>
-            <a:off x="838200" y="365125"/>
-            <a:ext cx="10515600" cy="1325563"/>
-          </a:xfrm>
-        </p:spPr>
-        <p:txBody>
-          <a:bodyPr/>
-          <a:lstStyle/>
-          <a:p>
-            <a:r>
-              <a:rPr lang="en-US"/>
-              <a:t>What We Did</a:t>
-            </a:r>
-            <a:endParaRPr lang="en-US" dirty="0"/>
-          </a:p>
-        </p:txBody>
-      </p:sp>
-      <p:pic>
-        <p:nvPicPr>
-          <p:cNvPr id="4" name="Picture 2">
-            <a:extLst>
-              <a:ext uri="{FF2B5EF4-FFF2-40B4-BE49-F238E27FC236}">
-                <a16:creationId xmlns:a16="http://schemas.microsoft.com/office/drawing/2014/main" id="{84551C58-3B1B-49B0-9247-77E0FA47C72E}"/>
-              </a:ext>
-            </a:extLst>
-          </p:cNvPr>
-          <p:cNvPicPr>
-            <a:picLocks noGrp="1" noChangeAspect="1" noChangeArrowheads="1"/>
-          </p:cNvPicPr>
-          <p:nvPr>
-            <p:ph idx="1"/>
-          </p:nvPr>
-        </p:nvPicPr>
-        <p:blipFill>
-          <a:blip r:embed="rId2">
-            <a:extLst>
-              <a:ext uri="{28A0092B-C50C-407E-A947-70E740481C1C}">
-                <a14:useLocalDpi xmlns:a14="http://schemas.microsoft.com/office/drawing/2010/main" val="0"/>
-              </a:ext>
-            </a:extLst>
-          </a:blip>
-          <a:srcRect/>
-          <a:stretch>
-            <a:fillRect/>
-          </a:stretch>
-        </p:blipFill>
-        <p:spPr bwMode="auto">
-          <a:xfrm>
-            <a:off x="4464423" y="365125"/>
-            <a:ext cx="3980330" cy="6123588"/>
-          </a:xfrm>
-          <a:prstGeom prst="rect">
-            <a:avLst/>
-          </a:prstGeom>
-          <a:noFill/>
-          <a:ln>
-            <a:noFill/>
-          </a:ln>
-          <a:extLst>
-            <a:ext uri="{909E8E84-426E-40DD-AFC4-6F175D3DCCD1}">
-              <a14:hiddenFill xmlns:a14="http://schemas.microsoft.com/office/drawing/2010/main">
-                <a:solidFill>
-                  <a:srgbClr val="FFFFFF"/>
-                </a:solidFill>
-              </a14:hiddenFill>
-            </a:ext>
-            <a:ext uri="{91240B29-F687-4F45-9708-019B960494DF}">
-              <a14:hiddenLine xmlns:a14="http://schemas.microsoft.com/office/drawing/2010/main" w="9525">
-                <a:solidFill>
-                  <a:srgbClr val="000000"/>
-                </a:solidFill>
-                <a:miter lim="800000"/>
-                <a:headEnd/>
-                <a:tailEnd/>
-              </a14:hiddenLine>
-            </a:ext>
-          </a:extLst>
-        </p:spPr>
-      </p:pic>
-      <p:sp>
-        <p:nvSpPr>
-          <p:cNvPr id="5" name="Rectangle 4">
-            <a:extLst>
-              <a:ext uri="{FF2B5EF4-FFF2-40B4-BE49-F238E27FC236}">
-                <a16:creationId xmlns:a16="http://schemas.microsoft.com/office/drawing/2014/main" id="{5666E118-85D0-420D-A20B-9808C655C65A}"/>
-              </a:ext>
-            </a:extLst>
-          </p:cNvPr>
-          <p:cNvSpPr/>
-          <p:nvPr/>
-        </p:nvSpPr>
-        <p:spPr>
-          <a:xfrm>
-            <a:off x="4347411" y="225801"/>
-            <a:ext cx="2181726" cy="1939883"/>
-          </a:xfrm>
-          <a:prstGeom prst="rect">
-            <a:avLst/>
-          </a:prstGeom>
-          <a:noFill/>
-          <a:ln w="38100">
-            <a:solidFill>
-              <a:schemeClr val="accent6">
-                <a:lumMod val="75000"/>
-              </a:schemeClr>
-            </a:solidFill>
-          </a:ln>
-        </p:spPr>
-        <p:style>
-          <a:lnRef idx="2">
-            <a:schemeClr val="accent1">
-              <a:shade val="50000"/>
-            </a:schemeClr>
-          </a:lnRef>
-          <a:fillRef idx="1">
-            <a:schemeClr val="accent1"/>
-          </a:fillRef>
-          <a:effectRef idx="0">
-            <a:schemeClr val="accent1"/>
-          </a:effectRef>
-          <a:fontRef idx="minor">
-            <a:schemeClr val="lt1"/>
-          </a:fontRef>
-        </p:style>
-        <p:txBody>
-          <a:bodyPr rtlCol="0" anchor="ctr"/>
-          <a:lstStyle/>
-          <a:p>
-            <a:pPr algn="ctr"/>
-            <a:endParaRPr lang="en-US"/>
-          </a:p>
-        </p:txBody>
-      </p:sp>
-      <p:sp>
-        <p:nvSpPr>
-          <p:cNvPr id="10" name="Rectangle 9">
-            <a:extLst>
-              <a:ext uri="{FF2B5EF4-FFF2-40B4-BE49-F238E27FC236}">
-                <a16:creationId xmlns:a16="http://schemas.microsoft.com/office/drawing/2014/main" id="{E39ECC23-7570-4480-9990-0D21EC766AF6}"/>
-              </a:ext>
-            </a:extLst>
-          </p:cNvPr>
-          <p:cNvSpPr/>
-          <p:nvPr/>
-        </p:nvSpPr>
-        <p:spPr>
-          <a:xfrm>
-            <a:off x="6548483" y="225801"/>
-            <a:ext cx="2181726" cy="2741987"/>
-          </a:xfrm>
-          <a:prstGeom prst="rect">
-            <a:avLst/>
-          </a:prstGeom>
-          <a:noFill/>
-          <a:ln w="38100">
-            <a:solidFill>
-              <a:schemeClr val="accent6">
-                <a:lumMod val="75000"/>
-              </a:schemeClr>
-            </a:solidFill>
-          </a:ln>
-        </p:spPr>
-        <p:style>
-          <a:lnRef idx="2">
-            <a:schemeClr val="accent1">
-              <a:shade val="50000"/>
-            </a:schemeClr>
-          </a:lnRef>
-          <a:fillRef idx="1">
-            <a:schemeClr val="accent1"/>
-          </a:fillRef>
-          <a:effectRef idx="0">
-            <a:schemeClr val="accent1"/>
-          </a:effectRef>
-          <a:fontRef idx="minor">
-            <a:schemeClr val="lt1"/>
-          </a:fontRef>
-        </p:style>
-        <p:txBody>
-          <a:bodyPr rtlCol="0" anchor="ctr"/>
-          <a:lstStyle/>
-          <a:p>
-            <a:pPr algn="ctr"/>
-            <a:endParaRPr lang="en-US"/>
-          </a:p>
-        </p:txBody>
-      </p:sp>
-    </p:spTree>
-    <p:extLst>
-      <p:ext uri="{BB962C8B-B14F-4D97-AF65-F5344CB8AC3E}">
-        <p14:creationId xmlns:p14="http://schemas.microsoft.com/office/powerpoint/2010/main" val="441749111"/>
-      </p:ext>
-    </p:extLst>
-  </p:cSld>
-  <p:clrMapOvr>
-    <a:masterClrMapping/>
-  </p:clrMapOvr>
-</p:sld>
-</file>
-
 <file path=ppt/slides/slide8.xml><?xml version="1.0" encoding="utf-8"?>
 <p:sld xmlns:a="http://schemas.openxmlformats.org/drawingml/2006/main" xmlns:r="http://schemas.openxmlformats.org/officeDocument/2006/relationships" xmlns:p="http://schemas.openxmlformats.org/presentationml/2006/main">
   <p:cSld>
@@ -5280,105 +5463,40 @@
           <a:chExt cx="0" cy="0"/>
         </a:xfrm>
       </p:grpSpPr>
-      <p:sp>
-        <p:nvSpPr>
-          <p:cNvPr id="2" name="Title 1">
-            <a:extLst>
-              <a:ext uri="{FF2B5EF4-FFF2-40B4-BE49-F238E27FC236}">
-                <a16:creationId xmlns:a16="http://schemas.microsoft.com/office/drawing/2014/main" id="{082DB6E0-67FC-4B5B-854F-60DBEFA56D33}"/>
-              </a:ext>
-            </a:extLst>
-          </p:cNvPr>
-          <p:cNvSpPr>
-            <a:spLocks noGrp="1"/>
-          </p:cNvSpPr>
-          <p:nvPr>
-            <p:ph type="title"/>
-          </p:nvPr>
-        </p:nvSpPr>
-        <p:spPr/>
-        <p:txBody>
-          <a:bodyPr/>
-          <a:lstStyle/>
-          <a:p>
-            <a:r>
-              <a:rPr lang="en-US" dirty="0"/>
-              <a:t>Results</a:t>
-            </a:r>
-          </a:p>
-        </p:txBody>
-      </p:sp>
-      <p:sp>
-        <p:nvSpPr>
-          <p:cNvPr id="3" name="Content Placeholder 2">
-            <a:extLst>
-              <a:ext uri="{FF2B5EF4-FFF2-40B4-BE49-F238E27FC236}">
-                <a16:creationId xmlns:a16="http://schemas.microsoft.com/office/drawing/2014/main" id="{ACD073C4-4776-4484-A792-1ABBF8D67337}"/>
-              </a:ext>
-            </a:extLst>
-          </p:cNvPr>
-          <p:cNvSpPr>
-            <a:spLocks noGrp="1"/>
-          </p:cNvSpPr>
-          <p:nvPr>
-            <p:ph idx="1"/>
-          </p:nvPr>
-        </p:nvSpPr>
-        <p:spPr/>
-        <p:txBody>
-          <a:bodyPr/>
-          <a:lstStyle/>
-          <a:p>
-            <a:r>
-              <a:rPr lang="en-US" dirty="0"/>
-              <a:t>Draft </a:t>
-            </a:r>
-            <a:r>
-              <a:rPr lang="en-US"/>
-              <a:t>of workflow in Google </a:t>
-            </a:r>
-            <a:r>
-              <a:rPr lang="en-US" dirty="0" err="1"/>
-              <a:t>Colab</a:t>
-            </a:r>
-            <a:endParaRPr lang="en-US" dirty="0"/>
-          </a:p>
-          <a:p>
-            <a:r>
-              <a:rPr lang="en-US" dirty="0"/>
-              <a:t>Read counts from RNA-sequencing pipeline</a:t>
-            </a:r>
-          </a:p>
-          <a:p>
-            <a:r>
-              <a:rPr lang="en-US" dirty="0"/>
-              <a:t>Patient 1 (of 3), 1 tissue sample (of 4)</a:t>
-            </a:r>
-          </a:p>
-          <a:p>
-            <a:r>
-              <a:rPr lang="en-US" dirty="0"/>
-              <a:t>Ours:   17138624</a:t>
-            </a:r>
-          </a:p>
-          <a:p>
-            <a:r>
-              <a:rPr lang="en-US" dirty="0"/>
-              <a:t>Theirs: 17932196</a:t>
-            </a:r>
-          </a:p>
-          <a:p>
-            <a:r>
-              <a:rPr lang="en-US" b="1" dirty="0"/>
-              <a:t>~95% of their total reads</a:t>
-            </a:r>
-          </a:p>
-        </p:txBody>
-      </p:sp>
+      <p:pic>
+        <p:nvPicPr>
+          <p:cNvPr id="2" name="Picture 1">
+            <a:extLst>
+              <a:ext uri="{FF2B5EF4-FFF2-40B4-BE49-F238E27FC236}">
+                <a16:creationId xmlns:a16="http://schemas.microsoft.com/office/drawing/2014/main" id="{43A24259-C555-46E4-AB49-7DB7C20D5F66}"/>
+              </a:ext>
+            </a:extLst>
+          </p:cNvPr>
+          <p:cNvPicPr>
+            <a:picLocks noChangeAspect="1"/>
+          </p:cNvPicPr>
+          <p:nvPr/>
+        </p:nvPicPr>
+        <p:blipFill>
+          <a:blip r:embed="rId2"/>
+          <a:stretch>
+            <a:fillRect/>
+          </a:stretch>
+        </p:blipFill>
+        <p:spPr>
+          <a:xfrm>
+            <a:off x="1844409" y="0"/>
+            <a:ext cx="8503181" cy="6858000"/>
+          </a:xfrm>
+          <a:prstGeom prst="rect">
+            <a:avLst/>
+          </a:prstGeom>
+        </p:spPr>
+      </p:pic>
     </p:spTree>
     <p:extLst>
       <p:ext uri="{BB962C8B-B14F-4D97-AF65-F5344CB8AC3E}">
-        <p14:creationId xmlns:p14="http://schemas.microsoft.com/office/powerpoint/2010/main" val="3974593770"/>
+        <p14:creationId xmlns:p14="http://schemas.microsoft.com/office/powerpoint/2010/main" val="684841231"/>
       </p:ext>
     </p:extLst>
   </p:cSld>
@@ -5457,6 +5575,12 @@
             <a:r>
               <a:rPr lang="en-US" dirty="0"/>
               <a:t>Lack of bioinformatics expertise</a:t>
+            </a:r>
+          </a:p>
+          <a:p>
+            <a:r>
+              <a:rPr lang="en-US" dirty="0"/>
+              <a:t>Computing power</a:t>
             </a:r>
           </a:p>
           <a:p>
